--- a/jump_present_new.pptx
+++ b/jump_present_new.pptx
@@ -4297,8 +4297,8 @@
         </p:nvSpPr>
         <p:spPr>
           <a:xfrm>
-            <a:off x="625718" y="1333490"/>
-            <a:ext cx="10940562" cy="4191019"/>
+            <a:off x="625718" y="887022"/>
+            <a:ext cx="10940562" cy="5083956"/>
           </a:xfrm>
           <a:prstGeom prst="rect">
             <a:avLst/>
@@ -4466,8 +4466,21 @@
                 <a:ea typeface="Times New Roman" panose="02020603050405020304" pitchFamily="18" charset="0"/>
                 <a:cs typeface="Times New Roman" panose="02020603050405020304" pitchFamily="18" charset="0"/>
               </a:rPr>
-              <a:t>но также имеет пути для доработки. Такие как:</a:t>
-            </a:r>
+              <a:t>но также имеет пути для доработки. Такие как</a:t>
+            </a:r>
+            <a:r>
+              <a:rPr lang="ru-RU" sz="2400" dirty="0" smtClean="0">
+                <a:latin typeface="Calibri" panose="020F0502020204030204" pitchFamily="34" charset="0"/>
+                <a:ea typeface="Times New Roman" panose="02020603050405020304" pitchFamily="18" charset="0"/>
+                <a:cs typeface="Times New Roman" panose="02020603050405020304" pitchFamily="18" charset="0"/>
+              </a:rPr>
+              <a:t>:</a:t>
+            </a:r>
+            <a:endParaRPr lang="ru-RU" sz="2400" dirty="0">
+              <a:latin typeface="Calibri" panose="020F0502020204030204" pitchFamily="34" charset="0"/>
+              <a:ea typeface="Times New Roman" panose="02020603050405020304" pitchFamily="18" charset="0"/>
+              <a:cs typeface="Times New Roman" panose="02020603050405020304" pitchFamily="18" charset="0"/>
+            </a:endParaRPr>
           </a:p>
           <a:p>
             <a:pPr marL="342900" lvl="0" indent="-342900" algn="just" hangingPunct="0">
@@ -4486,23 +4499,15 @@
                 <a:ea typeface="Times New Roman" panose="02020603050405020304" pitchFamily="18" charset="0"/>
                 <a:cs typeface="Times New Roman" panose="02020603050405020304" pitchFamily="18" charset="0"/>
               </a:rPr>
-              <a:t>расширение базы данных и создание её облачной версии для бо</a:t>
-            </a:r>
-            <a:r>
-              <a:rPr lang="ru-RU" sz="2400" dirty="0">
-                <a:latin typeface="Calibri" panose="020F0502020204030204" pitchFamily="34" charset="0"/>
-                <a:ea typeface="Times New Roman" panose="02020603050405020304" pitchFamily="18" charset="0"/>
-                <a:cs typeface="Calibri" panose="020F0502020204030204" pitchFamily="34" charset="0"/>
-              </a:rPr>
-              <a:t>́</a:t>
-            </a:r>
-            <a:r>
-              <a:rPr lang="ru-RU" sz="2400" dirty="0">
+              <a:t>использование кнопок на форме без использования клавиш с латинскими </a:t>
+            </a:r>
+            <a:r>
+              <a:rPr lang="ru-RU" sz="2400" dirty="0" smtClean="0">
                 <a:latin typeface="Calibri" panose="020F0502020204030204" pitchFamily="34" charset="0"/>
                 <a:ea typeface="Times New Roman" panose="02020603050405020304" pitchFamily="18" charset="0"/>
                 <a:cs typeface="Times New Roman" panose="02020603050405020304" pitchFamily="18" charset="0"/>
               </a:rPr>
-              <a:t>льшего количества игроков</a:t>
+              <a:t>буквами</a:t>
             </a:r>
           </a:p>
           <a:p>
@@ -4522,24 +4527,54 @@
                 <a:ea typeface="Times New Roman" panose="02020603050405020304" pitchFamily="18" charset="0"/>
                 <a:cs typeface="Times New Roman" panose="02020603050405020304" pitchFamily="18" charset="0"/>
               </a:rPr>
-              <a:t>увеличение количества </a:t>
-            </a:r>
-            <a:r>
-              <a:rPr lang="ru-RU" sz="2400" dirty="0" err="1">
+              <a:t>дополнительные возможности у персонажей </a:t>
+            </a:r>
+            <a:r>
+              <a:rPr lang="ru-RU" sz="2400" dirty="0" smtClean="0">
+                <a:latin typeface="Calibri" panose="020F0502020204030204" pitchFamily="34" charset="0"/>
+                <a:ea typeface="Times New Roman" panose="02020603050405020304" pitchFamily="18" charset="0"/>
+                <a:cs typeface="Times New Roman" panose="02020603050405020304" pitchFamily="18" charset="0"/>
+              </a:rPr>
+              <a:t>и увеличение количества </a:t>
+            </a:r>
+            <a:r>
+              <a:rPr lang="ru-RU" sz="2400" dirty="0" err="1" smtClean="0">
                 <a:latin typeface="Calibri" panose="020F0502020204030204" pitchFamily="34" charset="0"/>
                 <a:ea typeface="Times New Roman" panose="02020603050405020304" pitchFamily="18" charset="0"/>
                 <a:cs typeface="Times New Roman" panose="02020603050405020304" pitchFamily="18" charset="0"/>
               </a:rPr>
               <a:t>скинов</a:t>
             </a:r>
+            <a:endParaRPr lang="ru-RU" sz="2400" dirty="0" smtClean="0">
+              <a:latin typeface="Calibri" panose="020F0502020204030204" pitchFamily="34" charset="0"/>
+              <a:ea typeface="Times New Roman" panose="02020603050405020304" pitchFamily="18" charset="0"/>
+              <a:cs typeface="Times New Roman" panose="02020603050405020304" pitchFamily="18" charset="0"/>
+            </a:endParaRPr>
+          </a:p>
+          <a:p>
+            <a:pPr marL="342900" lvl="0" indent="-342900" algn="just" hangingPunct="0">
+              <a:lnSpc>
+                <a:spcPct val="107000"/>
+              </a:lnSpc>
+              <a:spcAft>
+                <a:spcPts val="800"/>
+              </a:spcAft>
+              <a:buFont typeface="Symbol" panose="05050102010706020507" pitchFamily="18" charset="2"/>
+              <a:buChar char=""/>
+            </a:pPr>
             <a:r>
               <a:rPr lang="ru-RU" sz="2400" dirty="0">
                 <a:latin typeface="Calibri" panose="020F0502020204030204" pitchFamily="34" charset="0"/>
                 <a:ea typeface="Times New Roman" panose="02020603050405020304" pitchFamily="18" charset="0"/>
                 <a:cs typeface="Times New Roman" panose="02020603050405020304" pitchFamily="18" charset="0"/>
               </a:rPr>
-              <a:t> персонажа</a:t>
-            </a:r>
+              <a:t>расширение базы данных и создание её облачной версии для бо́льшего количества игроков</a:t>
+            </a:r>
+            <a:endParaRPr lang="ru-RU" sz="2400" dirty="0" smtClean="0">
+              <a:latin typeface="Calibri" panose="020F0502020204030204" pitchFamily="34" charset="0"/>
+              <a:ea typeface="Times New Roman" panose="02020603050405020304" pitchFamily="18" charset="0"/>
+              <a:cs typeface="Times New Roman" panose="02020603050405020304" pitchFamily="18" charset="0"/>
+            </a:endParaRPr>
           </a:p>
         </p:txBody>
       </p:sp>
